--- a/20180917古川パワポ.pptx
+++ b/20180917古川パワポ.pptx
@@ -6,8 +6,8 @@
   </p:sldMasterIdLst>
   <p:sldIdLst>
     <p:sldId id="256" r:id="rId2"/>
-    <p:sldId id="257" r:id="rId3"/>
-    <p:sldId id="259" r:id="rId4"/>
+    <p:sldId id="259" r:id="rId3"/>
+    <p:sldId id="257" r:id="rId4"/>
     <p:sldId id="258" r:id="rId5"/>
   </p:sldIdLst>
   <p:sldSz cx="12192000" cy="6858000"/>
@@ -107,6 +107,11 @@
       </a:defRPr>
     </a:lvl9pPr>
   </p:defaultTextStyle>
+  <p:extLst>
+    <p:ext uri="{EFAFB233-063F-42B5-8137-9DF3F51BA10A}">
+      <p15:sldGuideLst xmlns:p15="http://schemas.microsoft.com/office/powerpoint/2012/main"/>
+    </p:ext>
+  </p:extLst>
 </p:presentation>
 </file>
 
@@ -249,7 +254,7 @@
           <a:p>
             <a:fld id="{4180C5F7-16B4-43A7-8791-05E297FA9E30}" type="datetimeFigureOut">
               <a:rPr kumimoji="1" lang="ja-JP" altLang="en-US" smtClean="0"/>
-              <a:t>2018/9/17</a:t>
+              <a:t>2018/9/18</a:t>
             </a:fld>
             <a:endParaRPr kumimoji="1" lang="ja-JP" altLang="en-US"/>
           </a:p>
@@ -492,7 +497,7 @@
           <a:p>
             <a:fld id="{4180C5F7-16B4-43A7-8791-05E297FA9E30}" type="datetimeFigureOut">
               <a:rPr kumimoji="1" lang="ja-JP" altLang="en-US" smtClean="0"/>
-              <a:t>2018/9/17</a:t>
+              <a:t>2018/9/18</a:t>
             </a:fld>
             <a:endParaRPr kumimoji="1" lang="ja-JP" altLang="en-US"/>
           </a:p>
@@ -739,7 +744,7 @@
           <a:p>
             <a:fld id="{4180C5F7-16B4-43A7-8791-05E297FA9E30}" type="datetimeFigureOut">
               <a:rPr kumimoji="1" lang="ja-JP" altLang="en-US" smtClean="0"/>
-              <a:t>2018/9/17</a:t>
+              <a:t>2018/9/18</a:t>
             </a:fld>
             <a:endParaRPr kumimoji="1" lang="ja-JP" altLang="en-US"/>
           </a:p>
@@ -972,7 +977,7 @@
           <a:p>
             <a:fld id="{4180C5F7-16B4-43A7-8791-05E297FA9E30}" type="datetimeFigureOut">
               <a:rPr kumimoji="1" lang="ja-JP" altLang="en-US" smtClean="0"/>
-              <a:t>2018/9/17</a:t>
+              <a:t>2018/9/18</a:t>
             </a:fld>
             <a:endParaRPr kumimoji="1" lang="ja-JP" altLang="en-US"/>
           </a:p>
@@ -1251,7 +1256,7 @@
           <a:p>
             <a:fld id="{4180C5F7-16B4-43A7-8791-05E297FA9E30}" type="datetimeFigureOut">
               <a:rPr kumimoji="1" lang="ja-JP" altLang="en-US" smtClean="0"/>
-              <a:t>2018/9/17</a:t>
+              <a:t>2018/9/18</a:t>
             </a:fld>
             <a:endParaRPr kumimoji="1" lang="ja-JP" altLang="en-US"/>
           </a:p>
@@ -1583,7 +1588,7 @@
           <a:p>
             <a:fld id="{4180C5F7-16B4-43A7-8791-05E297FA9E30}" type="datetimeFigureOut">
               <a:rPr kumimoji="1" lang="ja-JP" altLang="en-US" smtClean="0"/>
-              <a:t>2018/9/17</a:t>
+              <a:t>2018/9/18</a:t>
             </a:fld>
             <a:endParaRPr kumimoji="1" lang="ja-JP" altLang="en-US"/>
           </a:p>
@@ -2063,7 +2068,7 @@
           <a:p>
             <a:fld id="{4180C5F7-16B4-43A7-8791-05E297FA9E30}" type="datetimeFigureOut">
               <a:rPr kumimoji="1" lang="ja-JP" altLang="en-US" smtClean="0"/>
-              <a:t>2018/9/17</a:t>
+              <a:t>2018/9/18</a:t>
             </a:fld>
             <a:endParaRPr kumimoji="1" lang="ja-JP" altLang="en-US"/>
           </a:p>
@@ -2212,7 +2217,7 @@
           <a:p>
             <a:fld id="{4180C5F7-16B4-43A7-8791-05E297FA9E30}" type="datetimeFigureOut">
               <a:rPr kumimoji="1" lang="ja-JP" altLang="en-US" smtClean="0"/>
-              <a:t>2018/9/17</a:t>
+              <a:t>2018/9/18</a:t>
             </a:fld>
             <a:endParaRPr kumimoji="1" lang="ja-JP" altLang="en-US"/>
           </a:p>
@@ -2338,7 +2343,7 @@
           <a:p>
             <a:fld id="{4180C5F7-16B4-43A7-8791-05E297FA9E30}" type="datetimeFigureOut">
               <a:rPr kumimoji="1" lang="ja-JP" altLang="en-US" smtClean="0"/>
-              <a:t>2018/9/17</a:t>
+              <a:t>2018/9/18</a:t>
             </a:fld>
             <a:endParaRPr kumimoji="1" lang="ja-JP" altLang="en-US"/>
           </a:p>
@@ -2621,7 +2626,7 @@
           <a:p>
             <a:fld id="{4180C5F7-16B4-43A7-8791-05E297FA9E30}" type="datetimeFigureOut">
               <a:rPr kumimoji="1" lang="ja-JP" altLang="en-US" smtClean="0"/>
-              <a:t>2018/9/17</a:t>
+              <a:t>2018/9/18</a:t>
             </a:fld>
             <a:endParaRPr kumimoji="1" lang="ja-JP" altLang="en-US"/>
           </a:p>
@@ -3066,7 +3071,7 @@
           <a:p>
             <a:fld id="{4180C5F7-16B4-43A7-8791-05E297FA9E30}" type="datetimeFigureOut">
               <a:rPr kumimoji="1" lang="ja-JP" altLang="en-US" smtClean="0"/>
-              <a:t>2018/9/17</a:t>
+              <a:t>2018/9/18</a:t>
             </a:fld>
             <a:endParaRPr kumimoji="1" lang="ja-JP" altLang="en-US"/>
           </a:p>
@@ -3392,7 +3397,7 @@
           <a:p>
             <a:fld id="{4180C5F7-16B4-43A7-8791-05E297FA9E30}" type="datetimeFigureOut">
               <a:rPr kumimoji="1" lang="ja-JP" altLang="en-US" smtClean="0"/>
-              <a:t>2018/9/17</a:t>
+              <a:t>2018/9/18</a:t>
             </a:fld>
             <a:endParaRPr kumimoji="1" lang="ja-JP" altLang="en-US"/>
           </a:p>
@@ -3899,7 +3904,7 @@
           <a:bodyPr/>
           <a:lstStyle/>
           <a:p>
-            <a:endParaRPr kumimoji="1" lang="ja-JP" altLang="en-US"/>
+            <a:endParaRPr kumimoji="1" lang="ja-JP" altLang="en-US" dirty="0"/>
           </a:p>
         </p:txBody>
       </p:sp>
@@ -3942,6 +3947,141 @@
 </file>
 
 <file path=ppt/slides/slide2.xml><?xml version="1.0" encoding="utf-8"?>
+<p:sld xmlns:a="http://schemas.openxmlformats.org/drawingml/2006/main" xmlns:r="http://schemas.openxmlformats.org/officeDocument/2006/relationships" xmlns:p="http://schemas.openxmlformats.org/presentationml/2006/main">
+  <p:cSld>
+    <p:spTree>
+      <p:nvGrpSpPr>
+        <p:cNvPr id="1" name=""/>
+        <p:cNvGrpSpPr/>
+        <p:nvPr/>
+      </p:nvGrpSpPr>
+      <p:grpSpPr>
+        <a:xfrm>
+          <a:off x="0" y="0"/>
+          <a:ext cx="0" cy="0"/>
+          <a:chOff x="0" y="0"/>
+          <a:chExt cx="0" cy="0"/>
+        </a:xfrm>
+      </p:grpSpPr>
+      <p:sp>
+        <p:nvSpPr>
+          <p:cNvPr id="2" name="タイトル 1">
+            <a:extLst>
+              <a:ext uri="{FF2B5EF4-FFF2-40B4-BE49-F238E27FC236}">
+                <a16:creationId xmlns:a16="http://schemas.microsoft.com/office/drawing/2014/main" id="{AB6CC4D6-5669-4A9F-AAFB-48A942442690}"/>
+              </a:ext>
+            </a:extLst>
+          </p:cNvPr>
+          <p:cNvSpPr>
+            <a:spLocks noGrp="1"/>
+          </p:cNvSpPr>
+          <p:nvPr>
+            <p:ph type="title"/>
+          </p:nvPr>
+        </p:nvSpPr>
+        <p:spPr/>
+        <p:txBody>
+          <a:bodyPr/>
+          <a:lstStyle/>
+          <a:p>
+            <a:r>
+              <a:rPr lang="ja-JP" altLang="en-US" dirty="0"/>
+              <a:t>ルートの入出力情報</a:t>
+            </a:r>
+            <a:endParaRPr kumimoji="1" lang="ja-JP" altLang="en-US" dirty="0"/>
+          </a:p>
+        </p:txBody>
+      </p:sp>
+      <p:sp>
+        <p:nvSpPr>
+          <p:cNvPr id="3" name="コンテンツ プレースホルダー 2">
+            <a:extLst>
+              <a:ext uri="{FF2B5EF4-FFF2-40B4-BE49-F238E27FC236}">
+                <a16:creationId xmlns:a16="http://schemas.microsoft.com/office/drawing/2014/main" id="{DC1330C6-7CD7-4E95-B465-8440276D2CBF}"/>
+              </a:ext>
+            </a:extLst>
+          </p:cNvPr>
+          <p:cNvSpPr>
+            <a:spLocks noGrp="1"/>
+          </p:cNvSpPr>
+          <p:nvPr>
+            <p:ph idx="1"/>
+          </p:nvPr>
+        </p:nvSpPr>
+        <p:spPr/>
+        <p:txBody>
+          <a:bodyPr/>
+          <a:lstStyle/>
+          <a:p>
+            <a:pPr marL="0" indent="0">
+              <a:buNone/>
+            </a:pPr>
+            <a:r>
+              <a:rPr lang="ja-JP" altLang="en-US" b="1" u="sng" dirty="0"/>
+              <a:t>入力情報</a:t>
+            </a:r>
+            <a:endParaRPr lang="en-US" altLang="ja-JP" b="1" u="sng" dirty="0"/>
+          </a:p>
+          <a:p>
+            <a:r>
+              <a:rPr lang="ja-JP" altLang="en-US" dirty="0"/>
+              <a:t>農地を保有している人の名前、住所で検索する</a:t>
+            </a:r>
+            <a:endParaRPr lang="en-US" altLang="ja-JP" dirty="0"/>
+          </a:p>
+          <a:p>
+            <a:pPr marL="0" indent="0">
+              <a:buNone/>
+            </a:pPr>
+            <a:r>
+              <a:rPr lang="ja-JP" altLang="en-US" b="1" u="sng" dirty="0"/>
+              <a:t>処理内容</a:t>
+            </a:r>
+            <a:endParaRPr lang="en-US" altLang="ja-JP" b="1" u="sng" dirty="0"/>
+          </a:p>
+          <a:p>
+            <a:r>
+              <a:rPr lang="ja-JP" altLang="en-US" dirty="0"/>
+              <a:t>データベースから座標を取得し、自動でルートを作成する</a:t>
+            </a:r>
+            <a:endParaRPr lang="en-US" altLang="ja-JP" dirty="0"/>
+          </a:p>
+          <a:p>
+            <a:pPr marL="0" indent="0">
+              <a:buNone/>
+            </a:pPr>
+            <a:r>
+              <a:rPr lang="ja-JP" altLang="en-US" b="1" u="sng" dirty="0"/>
+              <a:t>出力情報</a:t>
+            </a:r>
+            <a:endParaRPr lang="en-US" altLang="ja-JP" b="1" u="sng" dirty="0"/>
+          </a:p>
+          <a:p>
+            <a:r>
+              <a:rPr lang="ja-JP" altLang="en-US" dirty="0"/>
+              <a:t>農地保有者の情報、飛行ルートの表示</a:t>
+            </a:r>
+            <a:endParaRPr lang="en-US" altLang="ja-JP" dirty="0"/>
+          </a:p>
+          <a:p>
+            <a:endParaRPr kumimoji="1" lang="ja-JP" altLang="en-US" dirty="0"/>
+          </a:p>
+        </p:txBody>
+      </p:sp>
+    </p:spTree>
+    <p:extLst>
+      <p:ext uri="{BB962C8B-B14F-4D97-AF65-F5344CB8AC3E}">
+        <p14:creationId xmlns:p14="http://schemas.microsoft.com/office/powerpoint/2010/main" val="3661587687"/>
+      </p:ext>
+    </p:extLst>
+  </p:cSld>
+  <p:clrMapOvr>
+    <a:masterClrMapping/>
+  </p:clrMapOvr>
+</p:sld>
+</file>
+
+<file path=ppt/slides/slide3.xml><?xml version="1.0" encoding="utf-8"?>
 <p:sld xmlns:a="http://schemas.openxmlformats.org/drawingml/2006/main" xmlns:r="http://schemas.openxmlformats.org/officeDocument/2006/relationships" xmlns:p="http://schemas.openxmlformats.org/presentationml/2006/main">
   <p:cSld>
     <p:spTree>
@@ -4095,141 +4235,6 @@
     <p:extLst>
       <p:ext uri="{BB962C8B-B14F-4D97-AF65-F5344CB8AC3E}">
         <p14:creationId xmlns:p14="http://schemas.microsoft.com/office/powerpoint/2010/main" val="3110953138"/>
-      </p:ext>
-    </p:extLst>
-  </p:cSld>
-  <p:clrMapOvr>
-    <a:masterClrMapping/>
-  </p:clrMapOvr>
-</p:sld>
-</file>
-
-<file path=ppt/slides/slide3.xml><?xml version="1.0" encoding="utf-8"?>
-<p:sld xmlns:a="http://schemas.openxmlformats.org/drawingml/2006/main" xmlns:r="http://schemas.openxmlformats.org/officeDocument/2006/relationships" xmlns:p="http://schemas.openxmlformats.org/presentationml/2006/main">
-  <p:cSld>
-    <p:spTree>
-      <p:nvGrpSpPr>
-        <p:cNvPr id="1" name=""/>
-        <p:cNvGrpSpPr/>
-        <p:nvPr/>
-      </p:nvGrpSpPr>
-      <p:grpSpPr>
-        <a:xfrm>
-          <a:off x="0" y="0"/>
-          <a:ext cx="0" cy="0"/>
-          <a:chOff x="0" y="0"/>
-          <a:chExt cx="0" cy="0"/>
-        </a:xfrm>
-      </p:grpSpPr>
-      <p:sp>
-        <p:nvSpPr>
-          <p:cNvPr id="2" name="タイトル 1">
-            <a:extLst>
-              <a:ext uri="{FF2B5EF4-FFF2-40B4-BE49-F238E27FC236}">
-                <a16:creationId xmlns:a16="http://schemas.microsoft.com/office/drawing/2014/main" id="{AB6CC4D6-5669-4A9F-AAFB-48A942442690}"/>
-              </a:ext>
-            </a:extLst>
-          </p:cNvPr>
-          <p:cNvSpPr>
-            <a:spLocks noGrp="1"/>
-          </p:cNvSpPr>
-          <p:nvPr>
-            <p:ph type="title"/>
-          </p:nvPr>
-        </p:nvSpPr>
-        <p:spPr/>
-        <p:txBody>
-          <a:bodyPr/>
-          <a:lstStyle/>
-          <a:p>
-            <a:r>
-              <a:rPr lang="ja-JP" altLang="en-US" dirty="0"/>
-              <a:t>ルートの入出力情報</a:t>
-            </a:r>
-            <a:endParaRPr kumimoji="1" lang="ja-JP" altLang="en-US" dirty="0"/>
-          </a:p>
-        </p:txBody>
-      </p:sp>
-      <p:sp>
-        <p:nvSpPr>
-          <p:cNvPr id="3" name="コンテンツ プレースホルダー 2">
-            <a:extLst>
-              <a:ext uri="{FF2B5EF4-FFF2-40B4-BE49-F238E27FC236}">
-                <a16:creationId xmlns:a16="http://schemas.microsoft.com/office/drawing/2014/main" id="{DC1330C6-7CD7-4E95-B465-8440276D2CBF}"/>
-              </a:ext>
-            </a:extLst>
-          </p:cNvPr>
-          <p:cNvSpPr>
-            <a:spLocks noGrp="1"/>
-          </p:cNvSpPr>
-          <p:nvPr>
-            <p:ph idx="1"/>
-          </p:nvPr>
-        </p:nvSpPr>
-        <p:spPr/>
-        <p:txBody>
-          <a:bodyPr/>
-          <a:lstStyle/>
-          <a:p>
-            <a:pPr marL="0" indent="0">
-              <a:buNone/>
-            </a:pPr>
-            <a:r>
-              <a:rPr lang="ja-JP" altLang="en-US" b="1" u="sng" dirty="0"/>
-              <a:t>入力情報</a:t>
-            </a:r>
-            <a:endParaRPr lang="en-US" altLang="ja-JP" b="1" u="sng" dirty="0"/>
-          </a:p>
-          <a:p>
-            <a:r>
-              <a:rPr lang="ja-JP" altLang="en-US" dirty="0"/>
-              <a:t>農地を保有している人の名前、住所で検索する</a:t>
-            </a:r>
-            <a:endParaRPr lang="en-US" altLang="ja-JP" dirty="0"/>
-          </a:p>
-          <a:p>
-            <a:pPr marL="0" indent="0">
-              <a:buNone/>
-            </a:pPr>
-            <a:r>
-              <a:rPr lang="ja-JP" altLang="en-US" b="1" u="sng" dirty="0"/>
-              <a:t>処理内容</a:t>
-            </a:r>
-            <a:endParaRPr lang="en-US" altLang="ja-JP" b="1" u="sng" dirty="0"/>
-          </a:p>
-          <a:p>
-            <a:r>
-              <a:rPr lang="ja-JP" altLang="en-US" dirty="0"/>
-              <a:t>データベースから座標を取得し、自動でルートを作成する</a:t>
-            </a:r>
-            <a:endParaRPr lang="en-US" altLang="ja-JP" dirty="0"/>
-          </a:p>
-          <a:p>
-            <a:pPr marL="0" indent="0">
-              <a:buNone/>
-            </a:pPr>
-            <a:r>
-              <a:rPr lang="ja-JP" altLang="en-US" b="1" u="sng" dirty="0"/>
-              <a:t>出力情報</a:t>
-            </a:r>
-            <a:endParaRPr lang="en-US" altLang="ja-JP" b="1" u="sng" dirty="0"/>
-          </a:p>
-          <a:p>
-            <a:r>
-              <a:rPr lang="ja-JP" altLang="en-US" dirty="0"/>
-              <a:t>農地保有者の情報、飛行ルートの表示</a:t>
-            </a:r>
-            <a:endParaRPr lang="en-US" altLang="ja-JP" dirty="0"/>
-          </a:p>
-          <a:p>
-            <a:endParaRPr kumimoji="1" lang="ja-JP" altLang="en-US" dirty="0"/>
-          </a:p>
-        </p:txBody>
-      </p:sp>
-    </p:spTree>
-    <p:extLst>
-      <p:ext uri="{BB962C8B-B14F-4D97-AF65-F5344CB8AC3E}">
-        <p14:creationId xmlns:p14="http://schemas.microsoft.com/office/powerpoint/2010/main" val="3661587687"/>
       </p:ext>
     </p:extLst>
   </p:cSld>

--- a/20180917古川パワポ.pptx
+++ b/20180917古川パワポ.pptx
@@ -6,9 +6,10 @@
   </p:sldMasterIdLst>
   <p:sldIdLst>
     <p:sldId id="256" r:id="rId2"/>
-    <p:sldId id="259" r:id="rId3"/>
-    <p:sldId id="257" r:id="rId4"/>
-    <p:sldId id="258" r:id="rId5"/>
+    <p:sldId id="260" r:id="rId3"/>
+    <p:sldId id="259" r:id="rId4"/>
+    <p:sldId id="257" r:id="rId5"/>
+    <p:sldId id="258" r:id="rId6"/>
   </p:sldIdLst>
   <p:sldSz cx="12192000" cy="6858000"/>
   <p:notesSz cx="6858000" cy="9144000"/>
@@ -256,7 +257,7 @@
               <a:rPr kumimoji="1" lang="ja-JP" altLang="en-US" smtClean="0"/>
               <a:t>2018/9/18</a:t>
             </a:fld>
-            <a:endParaRPr kumimoji="1" lang="ja-JP" altLang="en-US"/>
+            <a:endParaRPr kumimoji="1" lang="ja-JP" altLang="en-US" dirty="0"/>
           </a:p>
         </p:txBody>
       </p:sp>
@@ -280,7 +281,7 @@
           <a:bodyPr/>
           <a:lstStyle/>
           <a:p>
-            <a:endParaRPr kumimoji="1" lang="ja-JP" altLang="en-US"/>
+            <a:endParaRPr kumimoji="1" lang="ja-JP" altLang="en-US" dirty="0"/>
           </a:p>
         </p:txBody>
       </p:sp>
@@ -308,7 +309,7 @@
               <a:rPr kumimoji="1" lang="ja-JP" altLang="en-US" smtClean="0"/>
               <a:t>‹#›</a:t>
             </a:fld>
-            <a:endParaRPr kumimoji="1" lang="ja-JP" altLang="en-US"/>
+            <a:endParaRPr kumimoji="1" lang="ja-JP" altLang="en-US" dirty="0"/>
           </a:p>
         </p:txBody>
       </p:sp>
@@ -499,7 +500,7 @@
               <a:rPr kumimoji="1" lang="ja-JP" altLang="en-US" smtClean="0"/>
               <a:t>2018/9/18</a:t>
             </a:fld>
-            <a:endParaRPr kumimoji="1" lang="ja-JP" altLang="en-US"/>
+            <a:endParaRPr kumimoji="1" lang="ja-JP" altLang="en-US" dirty="0"/>
           </a:p>
         </p:txBody>
       </p:sp>
@@ -518,7 +519,7 @@
           <a:bodyPr/>
           <a:lstStyle/>
           <a:p>
-            <a:endParaRPr kumimoji="1" lang="ja-JP" altLang="en-US"/>
+            <a:endParaRPr kumimoji="1" lang="ja-JP" altLang="en-US" dirty="0"/>
           </a:p>
         </p:txBody>
       </p:sp>
@@ -541,7 +542,7 @@
               <a:rPr kumimoji="1" lang="ja-JP" altLang="en-US" smtClean="0"/>
               <a:t>‹#›</a:t>
             </a:fld>
-            <a:endParaRPr kumimoji="1" lang="ja-JP" altLang="en-US"/>
+            <a:endParaRPr kumimoji="1" lang="ja-JP" altLang="en-US" dirty="0"/>
           </a:p>
         </p:txBody>
       </p:sp>
@@ -746,7 +747,7 @@
               <a:rPr kumimoji="1" lang="ja-JP" altLang="en-US" smtClean="0"/>
               <a:t>2018/9/18</a:t>
             </a:fld>
-            <a:endParaRPr kumimoji="1" lang="ja-JP" altLang="en-US"/>
+            <a:endParaRPr kumimoji="1" lang="ja-JP" altLang="en-US" dirty="0"/>
           </a:p>
         </p:txBody>
       </p:sp>
@@ -765,7 +766,7 @@
           <a:bodyPr/>
           <a:lstStyle/>
           <a:p>
-            <a:endParaRPr kumimoji="1" lang="ja-JP" altLang="en-US"/>
+            <a:endParaRPr kumimoji="1" lang="ja-JP" altLang="en-US" dirty="0"/>
           </a:p>
         </p:txBody>
       </p:sp>
@@ -788,7 +789,7 @@
               <a:rPr kumimoji="1" lang="ja-JP" altLang="en-US" smtClean="0"/>
               <a:t>‹#›</a:t>
             </a:fld>
-            <a:endParaRPr kumimoji="1" lang="ja-JP" altLang="en-US"/>
+            <a:endParaRPr kumimoji="1" lang="ja-JP" altLang="en-US" dirty="0"/>
           </a:p>
         </p:txBody>
       </p:sp>
@@ -979,7 +980,7 @@
               <a:rPr kumimoji="1" lang="ja-JP" altLang="en-US" smtClean="0"/>
               <a:t>2018/9/18</a:t>
             </a:fld>
-            <a:endParaRPr kumimoji="1" lang="ja-JP" altLang="en-US"/>
+            <a:endParaRPr kumimoji="1" lang="ja-JP" altLang="en-US" dirty="0"/>
           </a:p>
         </p:txBody>
       </p:sp>
@@ -998,7 +999,7 @@
           <a:bodyPr/>
           <a:lstStyle/>
           <a:p>
-            <a:endParaRPr kumimoji="1" lang="ja-JP" altLang="en-US"/>
+            <a:endParaRPr kumimoji="1" lang="ja-JP" altLang="en-US" dirty="0"/>
           </a:p>
         </p:txBody>
       </p:sp>
@@ -1021,7 +1022,7 @@
               <a:rPr kumimoji="1" lang="ja-JP" altLang="en-US" smtClean="0"/>
               <a:t>‹#›</a:t>
             </a:fld>
-            <a:endParaRPr kumimoji="1" lang="ja-JP" altLang="en-US"/>
+            <a:endParaRPr kumimoji="1" lang="ja-JP" altLang="en-US" dirty="0"/>
           </a:p>
         </p:txBody>
       </p:sp>
@@ -1258,7 +1259,7 @@
               <a:rPr kumimoji="1" lang="ja-JP" altLang="en-US" smtClean="0"/>
               <a:t>2018/9/18</a:t>
             </a:fld>
-            <a:endParaRPr kumimoji="1" lang="ja-JP" altLang="en-US"/>
+            <a:endParaRPr kumimoji="1" lang="ja-JP" altLang="en-US" dirty="0"/>
           </a:p>
         </p:txBody>
       </p:sp>
@@ -1277,7 +1278,7 @@
           <a:bodyPr/>
           <a:lstStyle/>
           <a:p>
-            <a:endParaRPr kumimoji="1" lang="ja-JP" altLang="en-US"/>
+            <a:endParaRPr kumimoji="1" lang="ja-JP" altLang="en-US" dirty="0"/>
           </a:p>
         </p:txBody>
       </p:sp>
@@ -1300,7 +1301,7 @@
               <a:rPr kumimoji="1" lang="ja-JP" altLang="en-US" smtClean="0"/>
               <a:t>‹#›</a:t>
             </a:fld>
-            <a:endParaRPr kumimoji="1" lang="ja-JP" altLang="en-US"/>
+            <a:endParaRPr kumimoji="1" lang="ja-JP" altLang="en-US" dirty="0"/>
           </a:p>
         </p:txBody>
       </p:sp>
@@ -1590,7 +1591,7 @@
               <a:rPr kumimoji="1" lang="ja-JP" altLang="en-US" smtClean="0"/>
               <a:t>2018/9/18</a:t>
             </a:fld>
-            <a:endParaRPr kumimoji="1" lang="ja-JP" altLang="en-US"/>
+            <a:endParaRPr kumimoji="1" lang="ja-JP" altLang="en-US" dirty="0"/>
           </a:p>
         </p:txBody>
       </p:sp>
@@ -1609,7 +1610,7 @@
           <a:bodyPr/>
           <a:lstStyle/>
           <a:p>
-            <a:endParaRPr kumimoji="1" lang="ja-JP" altLang="en-US"/>
+            <a:endParaRPr kumimoji="1" lang="ja-JP" altLang="en-US" dirty="0"/>
           </a:p>
         </p:txBody>
       </p:sp>
@@ -1632,7 +1633,7 @@
               <a:rPr kumimoji="1" lang="ja-JP" altLang="en-US" smtClean="0"/>
               <a:t>‹#›</a:t>
             </a:fld>
-            <a:endParaRPr kumimoji="1" lang="ja-JP" altLang="en-US"/>
+            <a:endParaRPr kumimoji="1" lang="ja-JP" altLang="en-US" dirty="0"/>
           </a:p>
         </p:txBody>
       </p:sp>
@@ -2070,7 +2071,7 @@
               <a:rPr kumimoji="1" lang="ja-JP" altLang="en-US" smtClean="0"/>
               <a:t>2018/9/18</a:t>
             </a:fld>
-            <a:endParaRPr kumimoji="1" lang="ja-JP" altLang="en-US"/>
+            <a:endParaRPr kumimoji="1" lang="ja-JP" altLang="en-US" dirty="0"/>
           </a:p>
         </p:txBody>
       </p:sp>
@@ -2089,7 +2090,7 @@
           <a:bodyPr/>
           <a:lstStyle/>
           <a:p>
-            <a:endParaRPr kumimoji="1" lang="ja-JP" altLang="en-US"/>
+            <a:endParaRPr kumimoji="1" lang="ja-JP" altLang="en-US" dirty="0"/>
           </a:p>
         </p:txBody>
       </p:sp>
@@ -2112,7 +2113,7 @@
               <a:rPr kumimoji="1" lang="ja-JP" altLang="en-US" smtClean="0"/>
               <a:t>‹#›</a:t>
             </a:fld>
-            <a:endParaRPr kumimoji="1" lang="ja-JP" altLang="en-US"/>
+            <a:endParaRPr kumimoji="1" lang="ja-JP" altLang="en-US" dirty="0"/>
           </a:p>
         </p:txBody>
       </p:sp>
@@ -2219,7 +2220,7 @@
               <a:rPr kumimoji="1" lang="ja-JP" altLang="en-US" smtClean="0"/>
               <a:t>2018/9/18</a:t>
             </a:fld>
-            <a:endParaRPr kumimoji="1" lang="ja-JP" altLang="en-US"/>
+            <a:endParaRPr kumimoji="1" lang="ja-JP" altLang="en-US" dirty="0"/>
           </a:p>
         </p:txBody>
       </p:sp>
@@ -2238,7 +2239,7 @@
           <a:bodyPr/>
           <a:lstStyle/>
           <a:p>
-            <a:endParaRPr kumimoji="1" lang="ja-JP" altLang="en-US"/>
+            <a:endParaRPr kumimoji="1" lang="ja-JP" altLang="en-US" dirty="0"/>
           </a:p>
         </p:txBody>
       </p:sp>
@@ -2261,7 +2262,7 @@
               <a:rPr kumimoji="1" lang="ja-JP" altLang="en-US" smtClean="0"/>
               <a:t>‹#›</a:t>
             </a:fld>
-            <a:endParaRPr kumimoji="1" lang="ja-JP" altLang="en-US"/>
+            <a:endParaRPr kumimoji="1" lang="ja-JP" altLang="en-US" dirty="0"/>
           </a:p>
         </p:txBody>
       </p:sp>
@@ -2345,7 +2346,7 @@
               <a:rPr kumimoji="1" lang="ja-JP" altLang="en-US" smtClean="0"/>
               <a:t>2018/9/18</a:t>
             </a:fld>
-            <a:endParaRPr kumimoji="1" lang="ja-JP" altLang="en-US"/>
+            <a:endParaRPr kumimoji="1" lang="ja-JP" altLang="en-US" dirty="0"/>
           </a:p>
         </p:txBody>
       </p:sp>
@@ -2364,7 +2365,7 @@
           <a:bodyPr/>
           <a:lstStyle/>
           <a:p>
-            <a:endParaRPr kumimoji="1" lang="ja-JP" altLang="en-US"/>
+            <a:endParaRPr kumimoji="1" lang="ja-JP" altLang="en-US" dirty="0"/>
           </a:p>
         </p:txBody>
       </p:sp>
@@ -2387,7 +2388,7 @@
               <a:rPr kumimoji="1" lang="ja-JP" altLang="en-US" smtClean="0"/>
               <a:t>‹#›</a:t>
             </a:fld>
-            <a:endParaRPr kumimoji="1" lang="ja-JP" altLang="en-US"/>
+            <a:endParaRPr kumimoji="1" lang="ja-JP" altLang="en-US" dirty="0"/>
           </a:p>
         </p:txBody>
       </p:sp>
@@ -2628,7 +2629,7 @@
               <a:rPr kumimoji="1" lang="ja-JP" altLang="en-US" smtClean="0"/>
               <a:t>2018/9/18</a:t>
             </a:fld>
-            <a:endParaRPr kumimoji="1" lang="ja-JP" altLang="en-US"/>
+            <a:endParaRPr kumimoji="1" lang="ja-JP" altLang="en-US" dirty="0"/>
           </a:p>
         </p:txBody>
       </p:sp>
@@ -2647,7 +2648,7 @@
           <a:bodyPr/>
           <a:lstStyle/>
           <a:p>
-            <a:endParaRPr kumimoji="1" lang="ja-JP" altLang="en-US"/>
+            <a:endParaRPr kumimoji="1" lang="ja-JP" altLang="en-US" dirty="0"/>
           </a:p>
         </p:txBody>
       </p:sp>
@@ -2670,7 +2671,7 @@
               <a:rPr kumimoji="1" lang="ja-JP" altLang="en-US" smtClean="0"/>
               <a:t>‹#›</a:t>
             </a:fld>
-            <a:endParaRPr kumimoji="1" lang="ja-JP" altLang="en-US"/>
+            <a:endParaRPr kumimoji="1" lang="ja-JP" altLang="en-US" dirty="0"/>
           </a:p>
         </p:txBody>
       </p:sp>
@@ -2971,7 +2972,7 @@
           </a:lstStyle>
           <a:p>
             <a:r>
-              <a:rPr lang="ja-JP" altLang="en-US"/>
+              <a:rPr lang="ja-JP" altLang="en-US" dirty="0"/>
               <a:t>アイコンをクリックして図を追加</a:t>
             </a:r>
             <a:endParaRPr lang="en-US" dirty="0"/>
@@ -3073,7 +3074,7 @@
               <a:rPr kumimoji="1" lang="ja-JP" altLang="en-US" smtClean="0"/>
               <a:t>2018/9/18</a:t>
             </a:fld>
-            <a:endParaRPr kumimoji="1" lang="ja-JP" altLang="en-US"/>
+            <a:endParaRPr kumimoji="1" lang="ja-JP" altLang="en-US" dirty="0"/>
           </a:p>
         </p:txBody>
       </p:sp>
@@ -3097,7 +3098,7 @@
           <a:bodyPr/>
           <a:lstStyle/>
           <a:p>
-            <a:endParaRPr kumimoji="1" lang="ja-JP" altLang="en-US"/>
+            <a:endParaRPr kumimoji="1" lang="ja-JP" altLang="en-US" dirty="0"/>
           </a:p>
         </p:txBody>
       </p:sp>
@@ -3120,7 +3121,7 @@
               <a:rPr kumimoji="1" lang="ja-JP" altLang="en-US" smtClean="0"/>
               <a:t>‹#›</a:t>
             </a:fld>
-            <a:endParaRPr kumimoji="1" lang="ja-JP" altLang="en-US"/>
+            <a:endParaRPr kumimoji="1" lang="ja-JP" altLang="en-US" dirty="0"/>
           </a:p>
         </p:txBody>
       </p:sp>
@@ -3399,7 +3400,7 @@
               <a:rPr kumimoji="1" lang="ja-JP" altLang="en-US" smtClean="0"/>
               <a:t>2018/9/18</a:t>
             </a:fld>
-            <a:endParaRPr kumimoji="1" lang="ja-JP" altLang="en-US"/>
+            <a:endParaRPr kumimoji="1" lang="ja-JP" altLang="en-US" dirty="0"/>
           </a:p>
         </p:txBody>
       </p:sp>
@@ -3436,7 +3437,7 @@
             </a:lvl1pPr>
           </a:lstStyle>
           <a:p>
-            <a:endParaRPr kumimoji="1" lang="ja-JP" altLang="en-US"/>
+            <a:endParaRPr kumimoji="1" lang="ja-JP" altLang="en-US" dirty="0"/>
           </a:p>
         </p:txBody>
       </p:sp>
@@ -3475,7 +3476,7 @@
               <a:rPr kumimoji="1" lang="ja-JP" altLang="en-US" smtClean="0"/>
               <a:t>‹#›</a:t>
             </a:fld>
-            <a:endParaRPr kumimoji="1" lang="ja-JP" altLang="en-US"/>
+            <a:endParaRPr kumimoji="1" lang="ja-JP" altLang="en-US" dirty="0"/>
           </a:p>
         </p:txBody>
       </p:sp>
@@ -3929,7 +3930,7 @@
           <a:bodyPr/>
           <a:lstStyle/>
           <a:p>
-            <a:endParaRPr kumimoji="1" lang="ja-JP" altLang="en-US"/>
+            <a:endParaRPr kumimoji="1" lang="ja-JP" altLang="en-US" dirty="0"/>
           </a:p>
         </p:txBody>
       </p:sp>
@@ -3968,7 +3969,7 @@
           <p:cNvPr id="2" name="タイトル 1">
             <a:extLst>
               <a:ext uri="{FF2B5EF4-FFF2-40B4-BE49-F238E27FC236}">
-                <a16:creationId xmlns:a16="http://schemas.microsoft.com/office/drawing/2014/main" id="{AB6CC4D6-5669-4A9F-AAFB-48A942442690}"/>
+                <a16:creationId xmlns:a16="http://schemas.microsoft.com/office/drawing/2014/main" id="{1CBD67FB-6B98-4CB7-8D1E-B57CA5E9B757}"/>
               </a:ext>
             </a:extLst>
           </p:cNvPr>
@@ -3985,10 +3986,9 @@
           <a:lstStyle/>
           <a:p>
             <a:r>
-              <a:rPr lang="ja-JP" altLang="en-US" dirty="0"/>
-              <a:t>ルートの入出力情報</a:t>
-            </a:r>
-            <a:endParaRPr kumimoji="1" lang="ja-JP" altLang="en-US" dirty="0"/>
+              <a:rPr kumimoji="1" lang="ja-JP" altLang="en-US" dirty="0"/>
+              <a:t>ルート作成機能の概要</a:t>
+            </a:r>
           </a:p>
         </p:txBody>
       </p:sp>
@@ -3997,7 +3997,7 @@
           <p:cNvPr id="3" name="コンテンツ プレースホルダー 2">
             <a:extLst>
               <a:ext uri="{FF2B5EF4-FFF2-40B4-BE49-F238E27FC236}">
-                <a16:creationId xmlns:a16="http://schemas.microsoft.com/office/drawing/2014/main" id="{DC1330C6-7CD7-4E95-B465-8440276D2CBF}"/>
+                <a16:creationId xmlns:a16="http://schemas.microsoft.com/office/drawing/2014/main" id="{109E3AA5-35F2-4367-AF09-4B1FEC644670}"/>
               </a:ext>
             </a:extLst>
           </p:cNvPr>
@@ -4013,65 +4013,32 @@
           <a:bodyPr/>
           <a:lstStyle/>
           <a:p>
-            <a:pPr marL="0" indent="0">
-              <a:buNone/>
-            </a:pPr>
-            <a:r>
-              <a:rPr lang="ja-JP" altLang="en-US" b="1" u="sng" dirty="0"/>
-              <a:t>入力情報</a:t>
-            </a:r>
-            <a:endParaRPr lang="en-US" altLang="ja-JP" b="1" u="sng" dirty="0"/>
-          </a:p>
-          <a:p>
-            <a:r>
-              <a:rPr lang="ja-JP" altLang="en-US" dirty="0"/>
-              <a:t>農地を保有している人の名前、住所で検索する</a:t>
-            </a:r>
-            <a:endParaRPr lang="en-US" altLang="ja-JP" dirty="0"/>
-          </a:p>
-          <a:p>
-            <a:pPr marL="0" indent="0">
-              <a:buNone/>
-            </a:pPr>
-            <a:r>
-              <a:rPr lang="ja-JP" altLang="en-US" b="1" u="sng" dirty="0"/>
-              <a:t>処理内容</a:t>
-            </a:r>
-            <a:endParaRPr lang="en-US" altLang="ja-JP" b="1" u="sng" dirty="0"/>
-          </a:p>
-          <a:p>
-            <a:r>
-              <a:rPr lang="ja-JP" altLang="en-US" dirty="0"/>
-              <a:t>データベースから座標を取得し、自動でルートを作成する</a:t>
-            </a:r>
-            <a:endParaRPr lang="en-US" altLang="ja-JP" dirty="0"/>
-          </a:p>
-          <a:p>
-            <a:pPr marL="0" indent="0">
-              <a:buNone/>
-            </a:pPr>
-            <a:r>
-              <a:rPr lang="ja-JP" altLang="en-US" b="1" u="sng" dirty="0"/>
-              <a:t>出力情報</a:t>
-            </a:r>
-            <a:endParaRPr lang="en-US" altLang="ja-JP" b="1" u="sng" dirty="0"/>
-          </a:p>
-          <a:p>
-            <a:r>
-              <a:rPr lang="ja-JP" altLang="en-US" dirty="0"/>
-              <a:t>農地保有者の情報、飛行ルートの表示</a:t>
-            </a:r>
-            <a:endParaRPr lang="en-US" altLang="ja-JP" dirty="0"/>
-          </a:p>
-          <a:p>
-            <a:endParaRPr kumimoji="1" lang="ja-JP" altLang="en-US" dirty="0"/>
+            <a:r>
+              <a:rPr kumimoji="1" lang="ja-JP" altLang="en-US" dirty="0"/>
+              <a:t>ドローンで鳥類を追い払うための飛行ルートを作成する</a:t>
+            </a:r>
+            <a:endParaRPr kumimoji="1" lang="en-US" altLang="ja-JP" dirty="0"/>
+          </a:p>
+          <a:p>
+            <a:r>
+              <a:rPr kumimoji="1" lang="ja-JP" altLang="en-US" dirty="0"/>
+              <a:t>データベースから農地の座標やその他情報を取得し処理、</a:t>
+            </a:r>
+            <a:r>
+              <a:rPr kumimoji="1" lang="en-US" altLang="ja-JP" dirty="0"/>
+              <a:t>Web</a:t>
+            </a:r>
+            <a:r>
+              <a:rPr kumimoji="1" lang="ja-JP" altLang="en-US" dirty="0"/>
+              <a:t>上で表示をする</a:t>
+            </a:r>
           </a:p>
         </p:txBody>
       </p:sp>
     </p:spTree>
     <p:extLst>
       <p:ext uri="{BB962C8B-B14F-4D97-AF65-F5344CB8AC3E}">
-        <p14:creationId xmlns:p14="http://schemas.microsoft.com/office/powerpoint/2010/main" val="3661587687"/>
+        <p14:creationId xmlns:p14="http://schemas.microsoft.com/office/powerpoint/2010/main" val="2528279245"/>
       </p:ext>
     </p:extLst>
   </p:cSld>
@@ -4103,6 +4070,141 @@
           <p:cNvPr id="2" name="タイトル 1">
             <a:extLst>
               <a:ext uri="{FF2B5EF4-FFF2-40B4-BE49-F238E27FC236}">
+                <a16:creationId xmlns:a16="http://schemas.microsoft.com/office/drawing/2014/main" id="{AB6CC4D6-5669-4A9F-AAFB-48A942442690}"/>
+              </a:ext>
+            </a:extLst>
+          </p:cNvPr>
+          <p:cNvSpPr>
+            <a:spLocks noGrp="1"/>
+          </p:cNvSpPr>
+          <p:nvPr>
+            <p:ph type="title"/>
+          </p:nvPr>
+        </p:nvSpPr>
+        <p:spPr/>
+        <p:txBody>
+          <a:bodyPr/>
+          <a:lstStyle/>
+          <a:p>
+            <a:r>
+              <a:rPr lang="ja-JP" altLang="en-US" dirty="0"/>
+              <a:t>ルートの入出力情報</a:t>
+            </a:r>
+            <a:endParaRPr kumimoji="1" lang="ja-JP" altLang="en-US" dirty="0"/>
+          </a:p>
+        </p:txBody>
+      </p:sp>
+      <p:sp>
+        <p:nvSpPr>
+          <p:cNvPr id="3" name="コンテンツ プレースホルダー 2">
+            <a:extLst>
+              <a:ext uri="{FF2B5EF4-FFF2-40B4-BE49-F238E27FC236}">
+                <a16:creationId xmlns:a16="http://schemas.microsoft.com/office/drawing/2014/main" id="{DC1330C6-7CD7-4E95-B465-8440276D2CBF}"/>
+              </a:ext>
+            </a:extLst>
+          </p:cNvPr>
+          <p:cNvSpPr>
+            <a:spLocks noGrp="1"/>
+          </p:cNvSpPr>
+          <p:nvPr>
+            <p:ph idx="1"/>
+          </p:nvPr>
+        </p:nvSpPr>
+        <p:spPr/>
+        <p:txBody>
+          <a:bodyPr/>
+          <a:lstStyle/>
+          <a:p>
+            <a:pPr marL="0" indent="0">
+              <a:buNone/>
+            </a:pPr>
+            <a:r>
+              <a:rPr lang="ja-JP" altLang="en-US" b="1" u="sng" dirty="0"/>
+              <a:t>入力情報</a:t>
+            </a:r>
+            <a:endParaRPr lang="en-US" altLang="ja-JP" b="1" u="sng" dirty="0"/>
+          </a:p>
+          <a:p>
+            <a:r>
+              <a:rPr lang="ja-JP" altLang="en-US" dirty="0"/>
+              <a:t>農地を保有している人の名前、住所で検索する</a:t>
+            </a:r>
+            <a:endParaRPr lang="en-US" altLang="ja-JP" dirty="0"/>
+          </a:p>
+          <a:p>
+            <a:pPr marL="0" indent="0">
+              <a:buNone/>
+            </a:pPr>
+            <a:r>
+              <a:rPr lang="ja-JP" altLang="en-US" b="1" u="sng" dirty="0"/>
+              <a:t>処理内容</a:t>
+            </a:r>
+            <a:endParaRPr lang="en-US" altLang="ja-JP" b="1" u="sng" dirty="0"/>
+          </a:p>
+          <a:p>
+            <a:r>
+              <a:rPr lang="ja-JP" altLang="en-US" dirty="0"/>
+              <a:t>データベースから座標を取得し、自動でルートを作成する</a:t>
+            </a:r>
+            <a:endParaRPr lang="en-US" altLang="ja-JP" dirty="0"/>
+          </a:p>
+          <a:p>
+            <a:pPr marL="0" indent="0">
+              <a:buNone/>
+            </a:pPr>
+            <a:r>
+              <a:rPr lang="ja-JP" altLang="en-US" b="1" u="sng" dirty="0"/>
+              <a:t>出力情報</a:t>
+            </a:r>
+            <a:endParaRPr lang="en-US" altLang="ja-JP" b="1" u="sng" dirty="0"/>
+          </a:p>
+          <a:p>
+            <a:r>
+              <a:rPr lang="ja-JP" altLang="en-US" dirty="0"/>
+              <a:t>農地保有者の情報、飛行ルートの表示</a:t>
+            </a:r>
+            <a:endParaRPr lang="en-US" altLang="ja-JP" dirty="0"/>
+          </a:p>
+          <a:p>
+            <a:endParaRPr kumimoji="1" lang="ja-JP" altLang="en-US" dirty="0"/>
+          </a:p>
+        </p:txBody>
+      </p:sp>
+    </p:spTree>
+    <p:extLst>
+      <p:ext uri="{BB962C8B-B14F-4D97-AF65-F5344CB8AC3E}">
+        <p14:creationId xmlns:p14="http://schemas.microsoft.com/office/powerpoint/2010/main" val="3661587687"/>
+      </p:ext>
+    </p:extLst>
+  </p:cSld>
+  <p:clrMapOvr>
+    <a:masterClrMapping/>
+  </p:clrMapOvr>
+</p:sld>
+</file>
+
+<file path=ppt/slides/slide4.xml><?xml version="1.0" encoding="utf-8"?>
+<p:sld xmlns:a="http://schemas.openxmlformats.org/drawingml/2006/main" xmlns:r="http://schemas.openxmlformats.org/officeDocument/2006/relationships" xmlns:p="http://schemas.openxmlformats.org/presentationml/2006/main">
+  <p:cSld>
+    <p:spTree>
+      <p:nvGrpSpPr>
+        <p:cNvPr id="1" name=""/>
+        <p:cNvGrpSpPr/>
+        <p:nvPr/>
+      </p:nvGrpSpPr>
+      <p:grpSpPr>
+        <a:xfrm>
+          <a:off x="0" y="0"/>
+          <a:ext cx="0" cy="0"/>
+          <a:chOff x="0" y="0"/>
+          <a:chExt cx="0" cy="0"/>
+        </a:xfrm>
+      </p:grpSpPr>
+      <p:sp>
+        <p:nvSpPr>
+          <p:cNvPr id="2" name="タイトル 1">
+            <a:extLst>
+              <a:ext uri="{FF2B5EF4-FFF2-40B4-BE49-F238E27FC236}">
                 <a16:creationId xmlns:a16="http://schemas.microsoft.com/office/drawing/2014/main" id="{B6E05FBC-A856-4C7C-BA73-64738E3E114F}"/>
               </a:ext>
             </a:extLst>
@@ -4161,7 +4263,7 @@
               <a:t>点の座標から飛行ルートを自動で生成し</a:t>
             </a:r>
             <a:r>
-              <a:rPr kumimoji="1" lang="en-US" altLang="ja-JP" dirty="0" err="1"/>
+              <a:rPr kumimoji="1" lang="en-US" altLang="ja-JP" dirty="0"/>
               <a:t>GoogleMap</a:t>
             </a:r>
             <a:r>
@@ -4244,7 +4346,7 @@
 </p:sld>
 </file>
 
-<file path=ppt/slides/slide4.xml><?xml version="1.0" encoding="utf-8"?>
+<file path=ppt/slides/slide5.xml><?xml version="1.0" encoding="utf-8"?>
 <p:sld xmlns:a="http://schemas.openxmlformats.org/drawingml/2006/main" xmlns:r="http://schemas.openxmlformats.org/officeDocument/2006/relationships" xmlns:p="http://schemas.openxmlformats.org/presentationml/2006/main">
   <p:cSld>
     <p:spTree>
